--- a/FEUP Trials.pptx
+++ b/FEUP Trials.pptx
@@ -143,6 +143,9 @@
           </p14:sldIdLst>
         </p14:section>
       </p14:sectionLst>
+    </p:ext>
+    <p:ext uri="{EFAFB233-063F-42B5-8137-9DF3F51BA10A}">
+      <p15:sldGuideLst xmlns:p15="http://schemas.microsoft.com/office/powerpoint/2012/main"/>
     </p:ext>
   </p:extLst>
 </p:presentation>
@@ -4711,7 +4714,7 @@
                 <a:latin typeface="Arial" panose="020B0604020202020204" pitchFamily="34" charset="0"/>
                 <a:cs typeface="Arial" panose="020B0604020202020204" pitchFamily="34" charset="0"/>
               </a:rPr>
-              <a:t>Para movimentar a mota e o jogador para a frente </a:t>
+              <a:t>Para movimentar a moto e o jogador para a frente </a:t>
             </a:r>
           </a:p>
           <a:p>
@@ -4733,7 +4736,7 @@
                 <a:latin typeface="Arial" panose="020B0604020202020204" pitchFamily="34" charset="0"/>
                 <a:cs typeface="Arial" panose="020B0604020202020204" pitchFamily="34" charset="0"/>
               </a:rPr>
-              <a:t>Para movimentar a mota e o jogador para a trás </a:t>
+              <a:t>Para movimentar a moto e o jogador para a trás </a:t>
             </a:r>
           </a:p>
           <a:p>
@@ -4755,7 +4758,7 @@
                 <a:latin typeface="Arial" panose="020B0604020202020204" pitchFamily="34" charset="0"/>
                 <a:cs typeface="Arial" panose="020B0604020202020204" pitchFamily="34" charset="0"/>
               </a:rPr>
-              <a:t>Para inclinar a mota e o jogador para trás</a:t>
+              <a:t>Para inclinar a moto e o jogador para trás</a:t>
             </a:r>
           </a:p>
           <a:p>
@@ -4777,7 +4780,7 @@
                 <a:latin typeface="Arial" panose="020B0604020202020204" pitchFamily="34" charset="0"/>
                 <a:cs typeface="Arial" panose="020B0604020202020204" pitchFamily="34" charset="0"/>
               </a:rPr>
-              <a:t>Para inclinar a mota e o jogador para a frente</a:t>
+              <a:t>Para inclinar a moto e o jogador para a frente</a:t>
             </a:r>
           </a:p>
           <a:p>
@@ -4977,7 +4980,7 @@
                 <a:latin typeface="Arial" panose="020B0604020202020204" pitchFamily="34" charset="0"/>
                 <a:cs typeface="Arial" panose="020B0604020202020204" pitchFamily="34" charset="0"/>
               </a:rPr>
-              <a:t>Para movimentar a mota e o jogador para a frente </a:t>
+              <a:t>Para movimentar a moto e o jogador para a frente </a:t>
             </a:r>
           </a:p>
           <a:p>
@@ -4999,7 +5002,7 @@
                 <a:latin typeface="Arial" panose="020B0604020202020204" pitchFamily="34" charset="0"/>
                 <a:cs typeface="Arial" panose="020B0604020202020204" pitchFamily="34" charset="0"/>
               </a:rPr>
-              <a:t>Para movimentar a mota e o jogador para a trás </a:t>
+              <a:t>Para movimentar a moto e o jogador para a trás </a:t>
             </a:r>
           </a:p>
           <a:p>
@@ -5021,7 +5024,7 @@
                 <a:latin typeface="Arial" panose="020B0604020202020204" pitchFamily="34" charset="0"/>
                 <a:cs typeface="Arial" panose="020B0604020202020204" pitchFamily="34" charset="0"/>
               </a:rPr>
-              <a:t>Para inclinar a mota e o jogador para trás</a:t>
+              <a:t>Para inclinar a moto e o jogador para trás</a:t>
             </a:r>
           </a:p>
           <a:p>
@@ -5043,7 +5046,7 @@
                 <a:latin typeface="Arial" panose="020B0604020202020204" pitchFamily="34" charset="0"/>
                 <a:cs typeface="Arial" panose="020B0604020202020204" pitchFamily="34" charset="0"/>
               </a:rPr>
-              <a:t>Para inclinar a mota e o jogador para a frente</a:t>
+              <a:t>Para inclinar a moto e o jogador para a frente</a:t>
             </a:r>
           </a:p>
           <a:p>
@@ -5732,7 +5735,7 @@
                 <a:latin typeface="Arial" panose="020B0604020202020204" pitchFamily="34" charset="0"/>
                 <a:cs typeface="Arial" panose="020B0604020202020204" pitchFamily="34" charset="0"/>
               </a:rPr>
-              <a:t>Jogador tem de controlar a sua mota, mantendo-se equilibrado em cima da mesma</a:t>
+              <a:t>Jogador tem de controlar a sua moto, mantendo-se equilibrado em cima da mesma</a:t>
             </a:r>
           </a:p>
           <a:p>
@@ -5947,7 +5950,7 @@
                 <a:latin typeface="Arial" panose="020B0604020202020204" pitchFamily="34" charset="0"/>
                 <a:cs typeface="Arial" panose="020B0604020202020204" pitchFamily="34" charset="0"/>
               </a:rPr>
-              <a:t>e que está atrasado para as aulas na faculdade. Como está atrasado, não consegue nenhum transporte público, por isso decide pegar na mota do pai, tentando deslocar-se o mais rápido possível para </a:t>
+              <a:t>e que está atrasado para as aulas na faculdade. Como está atrasado, não consegue nenhum transporte público, por isso decide pegar na moto do pai, tentando deslocar-se o mais rápido possível para </a:t>
             </a:r>
             <a:r>
               <a:rPr lang="pt-PT" b="1" dirty="0">
@@ -5973,7 +5976,7 @@
                 <a:latin typeface="Arial" panose="020B0604020202020204" pitchFamily="34" charset="0"/>
                 <a:cs typeface="Arial" panose="020B0604020202020204" pitchFamily="34" charset="0"/>
               </a:rPr>
-              <a:t>O jovem só tem a carta de mota à, aproximadamente, uma semana, sendo que chumbou duas vezes no exame de condução até que à terceira lá conseguiu passar, por isso não tem ainda muita experiência ou prática, tentando ao máximo se equilibrar em cima da mota.</a:t>
+              <a:t>O jovem só tem a carta de moto à, aproximadamente, uma semana, sendo que chumbou duas vezes no exame de condução até que à terceira lá conseguiu passar, por isso não tem ainda muita experiência ou prática, tentando ao máximo se equilibrar em cima da moto.</a:t>
             </a:r>
           </a:p>
           <a:p>
@@ -6228,7 +6231,7 @@
                 <a:latin typeface="Arial" panose="020B0604020202020204" pitchFamily="34" charset="0"/>
                 <a:cs typeface="Arial" panose="020B0604020202020204" pitchFamily="34" charset="0"/>
               </a:rPr>
-              <a:t>Para além disso, para criar um certo dramatismo e entusiasmo à história, foram adicionados alguns elementos como o facto da personagem não saber andar muito bem de mota e de não conseguir passar à UC, independentemente do seu esforço</a:t>
+              <a:t>Para além disso, para criar um certo dramatismo e entusiasmo à história, foram adicionados alguns elementos como o facto da personagem não saber andar muito bem de moto e de não conseguir passar à UC, independentemente do seu esforço</a:t>
             </a:r>
           </a:p>
         </p:txBody>
@@ -6328,7 +6331,7 @@
                 <a:latin typeface="Arial" panose="020B0604020202020204" pitchFamily="34" charset="0"/>
                 <a:cs typeface="Arial" panose="020B0604020202020204" pitchFamily="34" charset="0"/>
               </a:rPr>
-              <a:t>Personagem equipada com uma mota, para se deslocar para a </a:t>
+              <a:t>Personagem equipada com uma moto, para se deslocar para a </a:t>
             </a:r>
             <a:r>
               <a:rPr lang="pt-PT" b="1" dirty="0">
